--- a/slides/L9-consensus-1.pptx
+++ b/slides/L9-consensus-1.pptx
@@ -2806,7 +2806,7 @@
             </a:pPr>
             <a:fld id="{C762C562-3101-0D43-9BC5-1FD230FF41EF}" type="datetime1">
               <a:rPr lang="en-US" smtClean="0"/>
-              <a:t>10/10/17</a:t>
+              <a:t>10/15/17</a:t>
             </a:fld>
             <a:endParaRPr lang="en-US"/>
           </a:p>
@@ -2977,7 +2977,7 @@
             </a:pPr>
             <a:fld id="{938061D7-F64F-8E4D-8C48-35B191211857}" type="datetime1">
               <a:rPr lang="en-US" smtClean="0"/>
-              <a:t>10/10/17</a:t>
+              <a:t>10/15/17</a:t>
             </a:fld>
             <a:endParaRPr lang="en-US"/>
           </a:p>
@@ -3262,7 +3262,7 @@
             </a:pPr>
             <a:fld id="{668C55DC-D3DB-A142-8833-8A2BDFA4DAAA}" type="datetime1">
               <a:rPr lang="en-US" smtClean="0"/>
-              <a:t>10/10/17</a:t>
+              <a:t>10/15/17</a:t>
             </a:fld>
             <a:endParaRPr lang="en-US"/>
           </a:p>
@@ -3518,7 +3518,7 @@
             </a:pPr>
             <a:fld id="{3E6AAB37-D57B-5349-8A73-F9D93383FA9F}" type="datetime1">
               <a:rPr lang="en-US" smtClean="0"/>
-              <a:t>10/10/17</a:t>
+              <a:t>10/15/17</a:t>
             </a:fld>
             <a:endParaRPr lang="en-US"/>
           </a:p>
@@ -3886,7 +3886,7 @@
             </a:pPr>
             <a:fld id="{3546F9FE-3308-7D4E-8B46-F9836AC42425}" type="datetime1">
               <a:rPr lang="en-US" smtClean="0"/>
-              <a:t>10/10/17</a:t>
+              <a:t>10/15/17</a:t>
             </a:fld>
             <a:endParaRPr lang="en-US"/>
           </a:p>
@@ -4174,7 +4174,7 @@
             </a:pPr>
             <a:fld id="{3546F9FE-3308-7D4E-8B46-F9836AC42425}" type="datetime1">
               <a:rPr lang="en-US" smtClean="0"/>
-              <a:t>10/10/17</a:t>
+              <a:t>10/15/17</a:t>
             </a:fld>
             <a:endParaRPr lang="en-US"/>
           </a:p>
@@ -4474,7 +4474,7 @@
             </a:pPr>
             <a:fld id="{B416C878-1A61-1D40-8C94-88B875F76C97}" type="datetime1">
               <a:rPr lang="en-US" smtClean="0"/>
-              <a:t>10/10/17</a:t>
+              <a:t>10/15/17</a:t>
             </a:fld>
             <a:endParaRPr lang="en-US"/>
           </a:p>
@@ -4985,7 +4985,7 @@
             </a:pPr>
             <a:fld id="{B5E7AF70-5002-B24C-BAA9-0C2EC79E2C37}" type="datetime1">
               <a:rPr lang="en-US" smtClean="0"/>
-              <a:t>10/10/17</a:t>
+              <a:t>10/15/17</a:t>
             </a:fld>
             <a:endParaRPr lang="en-US"/>
           </a:p>
@@ -5196,7 +5196,7 @@
             </a:pPr>
             <a:fld id="{62E44EB9-203A-2649-A5DC-C807C557D821}" type="datetime1">
               <a:rPr lang="en-US" smtClean="0"/>
-              <a:t>10/10/17</a:t>
+              <a:t>10/15/17</a:t>
             </a:fld>
             <a:endParaRPr lang="en-US"/>
           </a:p>
@@ -5407,7 +5407,7 @@
             </a:pPr>
             <a:fld id="{54E168DF-4358-664B-A04B-7A4BE79C5464}" type="datetime1">
               <a:rPr lang="en-US" smtClean="0"/>
-              <a:t>10/10/17</a:t>
+              <a:t>10/15/17</a:t>
             </a:fld>
             <a:endParaRPr lang="en-US"/>
           </a:p>
@@ -5718,7 +5718,7 @@
             </a:pPr>
             <a:fld id="{9FB0B6B8-460D-9A45-A983-067DAFC8AE2B}" type="datetime1">
               <a:rPr lang="en-US" smtClean="0"/>
-              <a:t>10/10/17</a:t>
+              <a:t>10/15/17</a:t>
             </a:fld>
             <a:endParaRPr lang="en-US"/>
           </a:p>
@@ -5931,7 +5931,7 @@
               <a:pPr>
                 <a:defRPr/>
               </a:pPr>
-              <a:t>10/10/17</a:t>
+              <a:t>10/15/17</a:t>
             </a:fld>
             <a:endParaRPr lang="en-US" dirty="0"/>
           </a:p>
@@ -6557,9 +6557,14 @@
           </a:p>
           <a:p>
             <a:r>
-              <a:rPr lang="en-US" dirty="0"/>
-              <a:t>Lecture 8</a:t>
-            </a:r>
+              <a:rPr lang="en-US"/>
+              <a:t>Lecture </a:t>
+            </a:r>
+            <a:r>
+              <a:rPr lang="en-US" smtClean="0"/>
+              <a:t>9</a:t>
+            </a:r>
+            <a:endParaRPr lang="en-US" dirty="0"/>
           </a:p>
           <a:p>
             <a:endParaRPr lang="en-US" dirty="0"/>
@@ -6569,7 +6574,6 @@
               <a:rPr lang="en-US" dirty="0"/>
               <a:t>Marco Canini</a:t>
             </a:r>
-            <a:endParaRPr lang="en-US" dirty="0"/>
           </a:p>
         </p:txBody>
       </p:sp>
@@ -10588,11 +10592,6 @@
               </a:rPr>
               <a:t>1985</a:t>
             </a:r>
-            <a:endParaRPr lang="en-US" sz="1800" dirty="0" smtClean="0">
-              <a:latin typeface="Arial" charset="0"/>
-              <a:ea typeface="Arial" charset="0"/>
-              <a:cs typeface="Arial" charset="0"/>
-            </a:endParaRPr>
           </a:p>
         </p:txBody>
       </p:sp>
@@ -30878,11 +30877,7 @@
           <a:p>
             <a:r>
               <a:rPr lang="en-US" dirty="0" smtClean="0"/>
-              <a:t>Next lecture:  </a:t>
-            </a:r>
-            <a:r>
-              <a:rPr lang="en-US" dirty="0" smtClean="0"/>
-              <a:t>Sunday</a:t>
+              <a:t>Next lecture:  Sunday</a:t>
             </a:r>
             <a:endParaRPr lang="en-US" dirty="0"/>
           </a:p>
@@ -30985,15 +30980,7 @@
                   <a:schemeClr val="bg1"/>
                 </a:solidFill>
               </a:rPr>
-              <a:t>assignment </a:t>
-            </a:r>
-            <a:r>
-              <a:rPr lang="en-US" sz="2800" smtClean="0">
-                <a:solidFill>
-                  <a:schemeClr val="bg1"/>
-                </a:solidFill>
-              </a:rPr>
-              <a:t>3)</a:t>
+              <a:t>assignment 3)</a:t>
             </a:r>
             <a:endParaRPr lang="en-US" sz="2800" dirty="0" smtClean="0">
               <a:solidFill>
